--- a/JavaScript/Week13/Week13.pptx
+++ b/JavaScript/Week13/Week13.pptx
@@ -295,7 +295,7 @@
           <a:p>
             <a:fld id="{F28A4246-F2A7-4220-A405-8A96DAE08D6A}" type="datetimeFigureOut">
               <a:rPr lang="en-US" smtClean="0"/>
-              <a:t>11/27/2025</a:t>
+              <a:t>12/2/2025</a:t>
             </a:fld>
             <a:endParaRPr lang="en-US"/>
           </a:p>
@@ -463,7 +463,7 @@
           <a:p>
             <a:fld id="{F28A4246-F2A7-4220-A405-8A96DAE08D6A}" type="datetimeFigureOut">
               <a:rPr lang="en-US" smtClean="0"/>
-              <a:t>11/27/2025</a:t>
+              <a:t>12/2/2025</a:t>
             </a:fld>
             <a:endParaRPr lang="en-US"/>
           </a:p>
@@ -641,7 +641,7 @@
           <a:p>
             <a:fld id="{F28A4246-F2A7-4220-A405-8A96DAE08D6A}" type="datetimeFigureOut">
               <a:rPr lang="en-US" smtClean="0"/>
-              <a:t>11/27/2025</a:t>
+              <a:t>12/2/2025</a:t>
             </a:fld>
             <a:endParaRPr lang="en-US"/>
           </a:p>
@@ -809,7 +809,7 @@
           <a:p>
             <a:fld id="{F28A4246-F2A7-4220-A405-8A96DAE08D6A}" type="datetimeFigureOut">
               <a:rPr lang="en-US" smtClean="0"/>
-              <a:t>11/27/2025</a:t>
+              <a:t>12/2/2025</a:t>
             </a:fld>
             <a:endParaRPr lang="en-US"/>
           </a:p>
@@ -1054,7 +1054,7 @@
           <a:p>
             <a:fld id="{F28A4246-F2A7-4220-A405-8A96DAE08D6A}" type="datetimeFigureOut">
               <a:rPr lang="en-US" smtClean="0"/>
-              <a:t>11/27/2025</a:t>
+              <a:t>12/2/2025</a:t>
             </a:fld>
             <a:endParaRPr lang="en-US"/>
           </a:p>
@@ -1283,7 +1283,7 @@
           <a:p>
             <a:fld id="{F28A4246-F2A7-4220-A405-8A96DAE08D6A}" type="datetimeFigureOut">
               <a:rPr lang="en-US" smtClean="0"/>
-              <a:t>11/27/2025</a:t>
+              <a:t>12/2/2025</a:t>
             </a:fld>
             <a:endParaRPr lang="en-US"/>
           </a:p>
@@ -1647,7 +1647,7 @@
           <a:p>
             <a:fld id="{F28A4246-F2A7-4220-A405-8A96DAE08D6A}" type="datetimeFigureOut">
               <a:rPr lang="en-US" smtClean="0"/>
-              <a:t>11/27/2025</a:t>
+              <a:t>12/2/2025</a:t>
             </a:fld>
             <a:endParaRPr lang="en-US"/>
           </a:p>
@@ -1764,7 +1764,7 @@
           <a:p>
             <a:fld id="{F28A4246-F2A7-4220-A405-8A96DAE08D6A}" type="datetimeFigureOut">
               <a:rPr lang="en-US" smtClean="0"/>
-              <a:t>11/27/2025</a:t>
+              <a:t>12/2/2025</a:t>
             </a:fld>
             <a:endParaRPr lang="en-US"/>
           </a:p>
@@ -1859,7 +1859,7 @@
           <a:p>
             <a:fld id="{F28A4246-F2A7-4220-A405-8A96DAE08D6A}" type="datetimeFigureOut">
               <a:rPr lang="en-US" smtClean="0"/>
-              <a:t>11/27/2025</a:t>
+              <a:t>12/2/2025</a:t>
             </a:fld>
             <a:endParaRPr lang="en-US"/>
           </a:p>
@@ -2134,7 +2134,7 @@
           <a:p>
             <a:fld id="{F28A4246-F2A7-4220-A405-8A96DAE08D6A}" type="datetimeFigureOut">
               <a:rPr lang="en-US" smtClean="0"/>
-              <a:t>11/27/2025</a:t>
+              <a:t>12/2/2025</a:t>
             </a:fld>
             <a:endParaRPr lang="en-US"/>
           </a:p>
@@ -2389,7 +2389,7 @@
           <a:p>
             <a:fld id="{F28A4246-F2A7-4220-A405-8A96DAE08D6A}" type="datetimeFigureOut">
               <a:rPr lang="en-US" smtClean="0"/>
-              <a:t>11/27/2025</a:t>
+              <a:t>12/2/2025</a:t>
             </a:fld>
             <a:endParaRPr lang="en-US"/>
           </a:p>
@@ -2600,7 +2600,7 @@
           <a:p>
             <a:fld id="{F28A4246-F2A7-4220-A405-8A96DAE08D6A}" type="datetimeFigureOut">
               <a:rPr lang="en-US" smtClean="0"/>
-              <a:t>11/27/2025</a:t>
+              <a:t>12/2/2025</a:t>
             </a:fld>
             <a:endParaRPr lang="en-US"/>
           </a:p>
@@ -7676,54 +7676,81 @@
           </a:bodyPr>
           <a:lstStyle/>
           <a:p>
+            <a:pPr marL="0" indent="0">
+              <a:buNone/>
+            </a:pPr>
             <a:r>
               <a:rPr lang="en-CA" dirty="0"/>
               <a:t>“Your test should resemble how users interact with your code(component, page, etc.) as much as possible”</a:t>
             </a:r>
           </a:p>
           <a:p>
+            <a:pPr marL="0" indent="0">
+              <a:buNone/>
+            </a:pPr>
             <a:r>
               <a:rPr lang="en-CA" dirty="0"/>
               <a:t>1.getByRole</a:t>
             </a:r>
           </a:p>
           <a:p>
+            <a:pPr marL="0" indent="0">
+              <a:buNone/>
+            </a:pPr>
             <a:r>
               <a:rPr lang="en-CA" dirty="0"/>
               <a:t>2.getByLabelText</a:t>
             </a:r>
           </a:p>
           <a:p>
+            <a:pPr marL="0" indent="0">
+              <a:buNone/>
+            </a:pPr>
             <a:r>
               <a:rPr lang="en-CA" dirty="0"/>
               <a:t>3.getByPlaceholderText</a:t>
             </a:r>
           </a:p>
           <a:p>
+            <a:pPr marL="0" indent="0">
+              <a:buNone/>
+            </a:pPr>
             <a:r>
               <a:rPr lang="en-CA" dirty="0"/>
               <a:t>4.getByText</a:t>
             </a:r>
           </a:p>
           <a:p>
+            <a:pPr marL="0" indent="0">
+              <a:buNone/>
+            </a:pPr>
             <a:r>
               <a:rPr lang="en-CA" dirty="0"/>
               <a:t>5.getByDisplayValue</a:t>
             </a:r>
           </a:p>
           <a:p>
+            <a:pPr marL="0" indent="0">
+              <a:buNone/>
+            </a:pPr>
             <a:r>
               <a:rPr lang="en-CA" dirty="0"/>
               <a:t>6.getByAltText</a:t>
             </a:r>
           </a:p>
           <a:p>
+            <a:pPr marL="0" indent="0">
+              <a:buNone/>
+            </a:pPr>
             <a:r>
               <a:rPr lang="en-CA" dirty="0"/>
               <a:t>7.getByTitle</a:t>
             </a:r>
           </a:p>
           <a:p>
+            <a:pPr marL="0" indent="0">
+              <a:buNone/>
+            </a:pPr>
             <a:r>
               <a:rPr lang="en-CA" dirty="0"/>
               <a:t>8.getByTestId</a:t>
